--- a/Economic Analysis (1) (1)_v3.pptx
+++ b/Economic Analysis (1) (1)_v3.pptx
@@ -4,14 +4,17 @@
   <p:sldMasterIdLst>
     <p:sldMasterId id="2147483718" r:id="rId1"/>
   </p:sldMasterIdLst>
+  <p:notesMasterIdLst>
+    <p:notesMasterId r:id="rId10"/>
+  </p:notesMasterIdLst>
   <p:sldIdLst>
     <p:sldId id="256" r:id="rId2"/>
     <p:sldId id="259" r:id="rId3"/>
     <p:sldId id="257" r:id="rId4"/>
-    <p:sldId id="258" r:id="rId5"/>
-    <p:sldId id="260" r:id="rId6"/>
-    <p:sldId id="261" r:id="rId7"/>
-    <p:sldId id="262" r:id="rId8"/>
+    <p:sldId id="264" r:id="rId5"/>
+    <p:sldId id="261" r:id="rId6"/>
+    <p:sldId id="262" r:id="rId7"/>
+    <p:sldId id="260" r:id="rId8"/>
     <p:sldId id="263" r:id="rId9"/>
   </p:sldIdLst>
   <p:sldSz cx="12192000" cy="6858000"/>
@@ -117,6 +120,596 @@
     </p:ext>
   </p:extLst>
 </p:presentation>
+</file>
+
+<file path=ppt/notesMasters/notesMaster1.xml><?xml version="1.0" encoding="utf-8"?>
+<p:notesMaster xmlns:a="http://schemas.openxmlformats.org/drawingml/2006/main" xmlns:r="http://schemas.openxmlformats.org/officeDocument/2006/relationships" xmlns:p="http://schemas.openxmlformats.org/presentationml/2006/main">
+  <p:cSld>
+    <p:bg>
+      <p:bgRef idx="1001">
+        <a:schemeClr val="bg1"/>
+      </p:bgRef>
+    </p:bg>
+    <p:spTree>
+      <p:nvGrpSpPr>
+        <p:cNvPr id="1" name=""/>
+        <p:cNvGrpSpPr/>
+        <p:nvPr/>
+      </p:nvGrpSpPr>
+      <p:grpSpPr>
+        <a:xfrm>
+          <a:off x="0" y="0"/>
+          <a:ext cx="0" cy="0"/>
+          <a:chOff x="0" y="0"/>
+          <a:chExt cx="0" cy="0"/>
+        </a:xfrm>
+      </p:grpSpPr>
+      <p:sp>
+        <p:nvSpPr>
+          <p:cNvPr id="2" name="Header Placeholder 1"/>
+          <p:cNvSpPr>
+            <a:spLocks noGrp="1"/>
+          </p:cNvSpPr>
+          <p:nvPr>
+            <p:ph type="hdr" sz="quarter"/>
+          </p:nvPr>
+        </p:nvSpPr>
+        <p:spPr>
+          <a:xfrm>
+            <a:off x="0" y="0"/>
+            <a:ext cx="2971800" cy="458788"/>
+          </a:xfrm>
+          <a:prstGeom prst="rect">
+            <a:avLst/>
+          </a:prstGeom>
+        </p:spPr>
+        <p:txBody>
+          <a:bodyPr vert="horz" lIns="91440" tIns="45720" rIns="91440" bIns="45720" rtlCol="0"/>
+          <a:lstStyle>
+            <a:lvl1pPr algn="l">
+              <a:defRPr sz="1200"/>
+            </a:lvl1pPr>
+          </a:lstStyle>
+          <a:p>
+            <a:endParaRPr lang="en-US"/>
+          </a:p>
+        </p:txBody>
+      </p:sp>
+      <p:sp>
+        <p:nvSpPr>
+          <p:cNvPr id="3" name="Date Placeholder 2"/>
+          <p:cNvSpPr>
+            <a:spLocks noGrp="1"/>
+          </p:cNvSpPr>
+          <p:nvPr>
+            <p:ph type="dt" idx="1"/>
+          </p:nvPr>
+        </p:nvSpPr>
+        <p:spPr>
+          <a:xfrm>
+            <a:off x="3884613" y="0"/>
+            <a:ext cx="2971800" cy="458788"/>
+          </a:xfrm>
+          <a:prstGeom prst="rect">
+            <a:avLst/>
+          </a:prstGeom>
+        </p:spPr>
+        <p:txBody>
+          <a:bodyPr vert="horz" lIns="91440" tIns="45720" rIns="91440" bIns="45720" rtlCol="0"/>
+          <a:lstStyle>
+            <a:lvl1pPr algn="r">
+              <a:defRPr sz="1200"/>
+            </a:lvl1pPr>
+          </a:lstStyle>
+          <a:p>
+            <a:fld id="{6C9F3AA3-7214-4153-87EF-DA4F88579EF4}" type="datetimeFigureOut">
+              <a:rPr lang="en-US" smtClean="0"/>
+              <a:t>7/5/2019</a:t>
+            </a:fld>
+            <a:endParaRPr lang="en-US"/>
+          </a:p>
+        </p:txBody>
+      </p:sp>
+      <p:sp>
+        <p:nvSpPr>
+          <p:cNvPr id="4" name="Slide Image Placeholder 3"/>
+          <p:cNvSpPr>
+            <a:spLocks noGrp="1" noRot="1" noChangeAspect="1"/>
+          </p:cNvSpPr>
+          <p:nvPr>
+            <p:ph type="sldImg" idx="2"/>
+          </p:nvPr>
+        </p:nvSpPr>
+        <p:spPr>
+          <a:xfrm>
+            <a:off x="685800" y="1143000"/>
+            <a:ext cx="5486400" cy="3086100"/>
+          </a:xfrm>
+          <a:prstGeom prst="rect">
+            <a:avLst/>
+          </a:prstGeom>
+          <a:noFill/>
+          <a:ln w="12700">
+            <a:solidFill>
+              <a:prstClr val="black"/>
+            </a:solidFill>
+          </a:ln>
+        </p:spPr>
+        <p:txBody>
+          <a:bodyPr vert="horz" lIns="91440" tIns="45720" rIns="91440" bIns="45720" rtlCol="0" anchor="ctr"/>
+          <a:lstStyle/>
+          <a:p>
+            <a:endParaRPr lang="en-US"/>
+          </a:p>
+        </p:txBody>
+      </p:sp>
+      <p:sp>
+        <p:nvSpPr>
+          <p:cNvPr id="5" name="Notes Placeholder 4"/>
+          <p:cNvSpPr>
+            <a:spLocks noGrp="1"/>
+          </p:cNvSpPr>
+          <p:nvPr>
+            <p:ph type="body" sz="quarter" idx="3"/>
+          </p:nvPr>
+        </p:nvSpPr>
+        <p:spPr>
+          <a:xfrm>
+            <a:off x="685800" y="4400550"/>
+            <a:ext cx="5486400" cy="3600450"/>
+          </a:xfrm>
+          <a:prstGeom prst="rect">
+            <a:avLst/>
+          </a:prstGeom>
+        </p:spPr>
+        <p:txBody>
+          <a:bodyPr vert="horz" lIns="91440" tIns="45720" rIns="91440" bIns="45720" rtlCol="0"/>
+          <a:lstStyle/>
+          <a:p>
+            <a:pPr lvl="0"/>
+            <a:r>
+              <a:rPr lang="en-US"/>
+              <a:t>Click to edit Master text styles</a:t>
+            </a:r>
+          </a:p>
+          <a:p>
+            <a:pPr lvl="1"/>
+            <a:r>
+              <a:rPr lang="en-US"/>
+              <a:t>Second level</a:t>
+            </a:r>
+          </a:p>
+          <a:p>
+            <a:pPr lvl="2"/>
+            <a:r>
+              <a:rPr lang="en-US"/>
+              <a:t>Third level</a:t>
+            </a:r>
+          </a:p>
+          <a:p>
+            <a:pPr lvl="3"/>
+            <a:r>
+              <a:rPr lang="en-US"/>
+              <a:t>Fourth level</a:t>
+            </a:r>
+          </a:p>
+          <a:p>
+            <a:pPr lvl="4"/>
+            <a:r>
+              <a:rPr lang="en-US"/>
+              <a:t>Fifth level</a:t>
+            </a:r>
+          </a:p>
+        </p:txBody>
+      </p:sp>
+      <p:sp>
+        <p:nvSpPr>
+          <p:cNvPr id="6" name="Footer Placeholder 5"/>
+          <p:cNvSpPr>
+            <a:spLocks noGrp="1"/>
+          </p:cNvSpPr>
+          <p:nvPr>
+            <p:ph type="ftr" sz="quarter" idx="4"/>
+          </p:nvPr>
+        </p:nvSpPr>
+        <p:spPr>
+          <a:xfrm>
+            <a:off x="0" y="8685213"/>
+            <a:ext cx="2971800" cy="458787"/>
+          </a:xfrm>
+          <a:prstGeom prst="rect">
+            <a:avLst/>
+          </a:prstGeom>
+        </p:spPr>
+        <p:txBody>
+          <a:bodyPr vert="horz" lIns="91440" tIns="45720" rIns="91440" bIns="45720" rtlCol="0" anchor="b"/>
+          <a:lstStyle>
+            <a:lvl1pPr algn="l">
+              <a:defRPr sz="1200"/>
+            </a:lvl1pPr>
+          </a:lstStyle>
+          <a:p>
+            <a:endParaRPr lang="en-US"/>
+          </a:p>
+        </p:txBody>
+      </p:sp>
+      <p:sp>
+        <p:nvSpPr>
+          <p:cNvPr id="7" name="Slide Number Placeholder 6"/>
+          <p:cNvSpPr>
+            <a:spLocks noGrp="1"/>
+          </p:cNvSpPr>
+          <p:nvPr>
+            <p:ph type="sldNum" sz="quarter" idx="5"/>
+          </p:nvPr>
+        </p:nvSpPr>
+        <p:spPr>
+          <a:xfrm>
+            <a:off x="3884613" y="8685213"/>
+            <a:ext cx="2971800" cy="458787"/>
+          </a:xfrm>
+          <a:prstGeom prst="rect">
+            <a:avLst/>
+          </a:prstGeom>
+        </p:spPr>
+        <p:txBody>
+          <a:bodyPr vert="horz" lIns="91440" tIns="45720" rIns="91440" bIns="45720" rtlCol="0" anchor="b"/>
+          <a:lstStyle>
+            <a:lvl1pPr algn="r">
+              <a:defRPr sz="1200"/>
+            </a:lvl1pPr>
+          </a:lstStyle>
+          <a:p>
+            <a:fld id="{416E7DAE-F324-478B-B027-DBD1548A37B6}" type="slidenum">
+              <a:rPr lang="en-US" smtClean="0"/>
+              <a:t>‹#›</a:t>
+            </a:fld>
+            <a:endParaRPr lang="en-US"/>
+          </a:p>
+        </p:txBody>
+      </p:sp>
+    </p:spTree>
+    <p:extLst>
+      <p:ext uri="{BB962C8B-B14F-4D97-AF65-F5344CB8AC3E}">
+        <p14:creationId xmlns:p14="http://schemas.microsoft.com/office/powerpoint/2010/main" val="50349410"/>
+      </p:ext>
+    </p:extLst>
+  </p:cSld>
+  <p:clrMap bg1="lt1" tx1="dk1" bg2="lt2" tx2="dk2" accent1="accent1" accent2="accent2" accent3="accent3" accent4="accent4" accent5="accent5" accent6="accent6" hlink="hlink" folHlink="folHlink"/>
+  <p:notesStyle>
+    <a:lvl1pPr marL="0" algn="l" defTabSz="914400" rtl="0" eaLnBrk="1" latinLnBrk="0" hangingPunct="1">
+      <a:defRPr sz="1200" kern="1200">
+        <a:solidFill>
+          <a:schemeClr val="tx1"/>
+        </a:solidFill>
+        <a:latin typeface="+mn-lt"/>
+        <a:ea typeface="+mn-ea"/>
+        <a:cs typeface="+mn-cs"/>
+      </a:defRPr>
+    </a:lvl1pPr>
+    <a:lvl2pPr marL="457200" algn="l" defTabSz="914400" rtl="0" eaLnBrk="1" latinLnBrk="0" hangingPunct="1">
+      <a:defRPr sz="1200" kern="1200">
+        <a:solidFill>
+          <a:schemeClr val="tx1"/>
+        </a:solidFill>
+        <a:latin typeface="+mn-lt"/>
+        <a:ea typeface="+mn-ea"/>
+        <a:cs typeface="+mn-cs"/>
+      </a:defRPr>
+    </a:lvl2pPr>
+    <a:lvl3pPr marL="914400" algn="l" defTabSz="914400" rtl="0" eaLnBrk="1" latinLnBrk="0" hangingPunct="1">
+      <a:defRPr sz="1200" kern="1200">
+        <a:solidFill>
+          <a:schemeClr val="tx1"/>
+        </a:solidFill>
+        <a:latin typeface="+mn-lt"/>
+        <a:ea typeface="+mn-ea"/>
+        <a:cs typeface="+mn-cs"/>
+      </a:defRPr>
+    </a:lvl3pPr>
+    <a:lvl4pPr marL="1371600" algn="l" defTabSz="914400" rtl="0" eaLnBrk="1" latinLnBrk="0" hangingPunct="1">
+      <a:defRPr sz="1200" kern="1200">
+        <a:solidFill>
+          <a:schemeClr val="tx1"/>
+        </a:solidFill>
+        <a:latin typeface="+mn-lt"/>
+        <a:ea typeface="+mn-ea"/>
+        <a:cs typeface="+mn-cs"/>
+      </a:defRPr>
+    </a:lvl4pPr>
+    <a:lvl5pPr marL="1828800" algn="l" defTabSz="914400" rtl="0" eaLnBrk="1" latinLnBrk="0" hangingPunct="1">
+      <a:defRPr sz="1200" kern="1200">
+        <a:solidFill>
+          <a:schemeClr val="tx1"/>
+        </a:solidFill>
+        <a:latin typeface="+mn-lt"/>
+        <a:ea typeface="+mn-ea"/>
+        <a:cs typeface="+mn-cs"/>
+      </a:defRPr>
+    </a:lvl5pPr>
+    <a:lvl6pPr marL="2286000" algn="l" defTabSz="914400" rtl="0" eaLnBrk="1" latinLnBrk="0" hangingPunct="1">
+      <a:defRPr sz="1200" kern="1200">
+        <a:solidFill>
+          <a:schemeClr val="tx1"/>
+        </a:solidFill>
+        <a:latin typeface="+mn-lt"/>
+        <a:ea typeface="+mn-ea"/>
+        <a:cs typeface="+mn-cs"/>
+      </a:defRPr>
+    </a:lvl6pPr>
+    <a:lvl7pPr marL="2743200" algn="l" defTabSz="914400" rtl="0" eaLnBrk="1" latinLnBrk="0" hangingPunct="1">
+      <a:defRPr sz="1200" kern="1200">
+        <a:solidFill>
+          <a:schemeClr val="tx1"/>
+        </a:solidFill>
+        <a:latin typeface="+mn-lt"/>
+        <a:ea typeface="+mn-ea"/>
+        <a:cs typeface="+mn-cs"/>
+      </a:defRPr>
+    </a:lvl7pPr>
+    <a:lvl8pPr marL="3200400" algn="l" defTabSz="914400" rtl="0" eaLnBrk="1" latinLnBrk="0" hangingPunct="1">
+      <a:defRPr sz="1200" kern="1200">
+        <a:solidFill>
+          <a:schemeClr val="tx1"/>
+        </a:solidFill>
+        <a:latin typeface="+mn-lt"/>
+        <a:ea typeface="+mn-ea"/>
+        <a:cs typeface="+mn-cs"/>
+      </a:defRPr>
+    </a:lvl8pPr>
+    <a:lvl9pPr marL="3657600" algn="l" defTabSz="914400" rtl="0" eaLnBrk="1" latinLnBrk="0" hangingPunct="1">
+      <a:defRPr sz="1200" kern="1200">
+        <a:solidFill>
+          <a:schemeClr val="tx1"/>
+        </a:solidFill>
+        <a:latin typeface="+mn-lt"/>
+        <a:ea typeface="+mn-ea"/>
+        <a:cs typeface="+mn-cs"/>
+      </a:defRPr>
+    </a:lvl9pPr>
+  </p:notesStyle>
+</p:notesMaster>
+</file>
+
+<file path=ppt/notesSlides/notesSlide1.xml><?xml version="1.0" encoding="utf-8"?>
+<p:notes xmlns:a="http://schemas.openxmlformats.org/drawingml/2006/main" xmlns:r="http://schemas.openxmlformats.org/officeDocument/2006/relationships" xmlns:p="http://schemas.openxmlformats.org/presentationml/2006/main">
+  <p:cSld>
+    <p:spTree>
+      <p:nvGrpSpPr>
+        <p:cNvPr id="1" name=""/>
+        <p:cNvGrpSpPr/>
+        <p:nvPr/>
+      </p:nvGrpSpPr>
+      <p:grpSpPr>
+        <a:xfrm>
+          <a:off x="0" y="0"/>
+          <a:ext cx="0" cy="0"/>
+          <a:chOff x="0" y="0"/>
+          <a:chExt cx="0" cy="0"/>
+        </a:xfrm>
+      </p:grpSpPr>
+      <p:sp>
+        <p:nvSpPr>
+          <p:cNvPr id="2" name="Slide Image Placeholder 1"/>
+          <p:cNvSpPr>
+            <a:spLocks noGrp="1" noRot="1" noChangeAspect="1"/>
+          </p:cNvSpPr>
+          <p:nvPr>
+            <p:ph type="sldImg"/>
+          </p:nvPr>
+        </p:nvSpPr>
+        <p:spPr/>
+      </p:sp>
+      <p:sp>
+        <p:nvSpPr>
+          <p:cNvPr id="3" name="Notes Placeholder 2"/>
+          <p:cNvSpPr>
+            <a:spLocks noGrp="1"/>
+          </p:cNvSpPr>
+          <p:nvPr>
+            <p:ph type="body" idx="1"/>
+          </p:nvPr>
+        </p:nvSpPr>
+        <p:spPr/>
+        <p:txBody>
+          <a:bodyPr/>
+          <a:lstStyle/>
+          <a:p>
+            <a:r>
+              <a:rPr lang="en-US" dirty="0"/>
+              <a:t>Referring to the previous slide of state GDP we noticed a positive correlation between California’s state GDP change from 2008 to 2018 and Unemployment rate change from 2008 to 2018 as being in the top 5.  I also noticed that Louisiana had very little change from 2008 to 2018 in state GDP and in unemployment change from 2008 to 2018. Another Inference that can be observed from the State GDP and the Unemployment rate changes is how Wyoming was one of the worst states that recovered from the 2008 financial crisis with a GDP decreased by 29.7% and unemployment increased by 1% since 2008 to 2018.</a:t>
+            </a:r>
+          </a:p>
+        </p:txBody>
+      </p:sp>
+      <p:sp>
+        <p:nvSpPr>
+          <p:cNvPr id="4" name="Slide Number Placeholder 3"/>
+          <p:cNvSpPr>
+            <a:spLocks noGrp="1"/>
+          </p:cNvSpPr>
+          <p:nvPr>
+            <p:ph type="sldNum" sz="quarter" idx="5"/>
+          </p:nvPr>
+        </p:nvSpPr>
+        <p:spPr/>
+        <p:txBody>
+          <a:bodyPr/>
+          <a:lstStyle/>
+          <a:p>
+            <a:fld id="{0827322D-BB12-47CC-8A49-F7A77F4911AD}" type="slidenum">
+              <a:rPr lang="en-US" smtClean="0"/>
+              <a:t>4</a:t>
+            </a:fld>
+            <a:endParaRPr lang="en-US"/>
+          </a:p>
+        </p:txBody>
+      </p:sp>
+    </p:spTree>
+    <p:extLst>
+      <p:ext uri="{BB962C8B-B14F-4D97-AF65-F5344CB8AC3E}">
+        <p14:creationId xmlns:p14="http://schemas.microsoft.com/office/powerpoint/2010/main" val="1935499854"/>
+      </p:ext>
+    </p:extLst>
+  </p:cSld>
+  <p:clrMapOvr>
+    <a:masterClrMapping/>
+  </p:clrMapOvr>
+</p:notes>
+</file>
+
+<file path=ppt/notesSlides/notesSlide2.xml><?xml version="1.0" encoding="utf-8"?>
+<p:notes xmlns:a="http://schemas.openxmlformats.org/drawingml/2006/main" xmlns:r="http://schemas.openxmlformats.org/officeDocument/2006/relationships" xmlns:p="http://schemas.openxmlformats.org/presentationml/2006/main">
+  <p:cSld>
+    <p:spTree>
+      <p:nvGrpSpPr>
+        <p:cNvPr id="1" name=""/>
+        <p:cNvGrpSpPr/>
+        <p:nvPr/>
+      </p:nvGrpSpPr>
+      <p:grpSpPr>
+        <a:xfrm>
+          <a:off x="0" y="0"/>
+          <a:ext cx="0" cy="0"/>
+          <a:chOff x="0" y="0"/>
+          <a:chExt cx="0" cy="0"/>
+        </a:xfrm>
+      </p:grpSpPr>
+      <p:sp>
+        <p:nvSpPr>
+          <p:cNvPr id="2" name="Slide Image Placeholder 1"/>
+          <p:cNvSpPr>
+            <a:spLocks noGrp="1" noRot="1" noChangeAspect="1"/>
+          </p:cNvSpPr>
+          <p:nvPr>
+            <p:ph type="sldImg"/>
+          </p:nvPr>
+        </p:nvSpPr>
+        <p:spPr/>
+      </p:sp>
+      <p:sp>
+        <p:nvSpPr>
+          <p:cNvPr id="3" name="Notes Placeholder 2"/>
+          <p:cNvSpPr>
+            <a:spLocks noGrp="1"/>
+          </p:cNvSpPr>
+          <p:nvPr>
+            <p:ph type="body" idx="1"/>
+          </p:nvPr>
+        </p:nvSpPr>
+        <p:spPr/>
+        <p:txBody>
+          <a:bodyPr/>
+          <a:lstStyle/>
+          <a:p>
+            <a:r>
+              <a:rPr lang="en-US" dirty="0"/>
+              <a:t>1. Expected to see consistent negative correlation between decrease in poverty rate and increase in GDP.  07-08 % change in GDP vs. change in poverty showed a low positive correlation and high p-value </a:t>
+            </a:r>
+          </a:p>
+          <a:p>
+            <a:r>
+              <a:rPr lang="en-US" dirty="0"/>
+              <a:t>indicating changes in the variables do not affect each other. 08-17 % change in GDP vs. change in poverty showed trend more in line with hypothesis: increases in GDP correlated with decreases in poverty rate.  Best r^2 value</a:t>
+            </a:r>
+          </a:p>
+          <a:p>
+            <a:r>
+              <a:rPr lang="en-US" dirty="0"/>
+              <a:t>and low p-value indicating a trend is apparent, but with lots of noise/variability.</a:t>
+            </a:r>
+          </a:p>
+          <a:p>
+            <a:r>
+              <a:rPr lang="en-US" dirty="0"/>
+              <a:t>Conclusion 1: In general over the long term recovery, states that have higher increases in GDP have greater decreases in poverty rates although there is a lot variability</a:t>
+            </a:r>
+          </a:p>
+          <a:p>
+            <a:r>
+              <a:rPr lang="en-US" dirty="0"/>
+              <a:t>Interesting to note that 07-08 had all positive change in GDP while 08-17 had 2 states with large decreases in GDP.  Possibly due to no </a:t>
+            </a:r>
+            <a:r>
+              <a:rPr lang="en-US" dirty="0" err="1"/>
+              <a:t>recovey</a:t>
+            </a:r>
+            <a:r>
+              <a:rPr lang="en-US" dirty="0"/>
+              <a:t>, changes in industry. Also possibly 07-08 </a:t>
+            </a:r>
+            <a:r>
+              <a:rPr lang="en-US" dirty="0" err="1"/>
+              <a:t>gdp</a:t>
+            </a:r>
+            <a:r>
+              <a:rPr lang="en-US" dirty="0"/>
+              <a:t> wasn’t fully affected, maybe 07-09 would be better indicator.</a:t>
+            </a:r>
+          </a:p>
+          <a:p>
+            <a:pPr marL="228600" indent="-228600">
+              <a:buAutoNum type="arabicPeriod" startAt="2"/>
+            </a:pPr>
+            <a:r>
+              <a:rPr lang="en-US" dirty="0"/>
+              <a:t>Expected to see that with higher decreases in unemployment rate would have higher decreases in poverty rates.  07-08 % change in unemployment rate vs. change in poverty rate show low positive correlation. P-value beyond 95% confidence range so not a good fit. 08-17 % change in unemployment rate vs. change in poverty rate shows a positive correlation between change in poverty rate and % change in unemployment rate. Low r2, but also low p-value suggesting model is okay to use over the long run, but has high variability.  </a:t>
+            </a:r>
+          </a:p>
+          <a:p>
+            <a:pPr marL="0" indent="0">
+              <a:buNone/>
+            </a:pPr>
+            <a:r>
+              <a:rPr lang="en-US" dirty="0"/>
+              <a:t>Conclusion 2:  In general over the long term recovery, states that have greater decreases in the unemployment rate have greater decreases in the poverty rate although there is a lot variability.</a:t>
+            </a:r>
+          </a:p>
+          <a:p>
+            <a:pPr marL="0" indent="0">
+              <a:buNone/>
+            </a:pPr>
+            <a:r>
+              <a:rPr lang="en-US" dirty="0"/>
+              <a:t>Interesting to note that 07-08 only 2 states had decreases in unemployment rate, but mixed range of changes in poverty rates. Also from 07-08 increases in all states unemployment rates except 2 but over long run/recovery, majority had decreases in unemployment rates</a:t>
+            </a:r>
+          </a:p>
+        </p:txBody>
+      </p:sp>
+      <p:sp>
+        <p:nvSpPr>
+          <p:cNvPr id="4" name="Slide Number Placeholder 3"/>
+          <p:cNvSpPr>
+            <a:spLocks noGrp="1"/>
+          </p:cNvSpPr>
+          <p:nvPr>
+            <p:ph type="sldNum" sz="quarter" idx="5"/>
+          </p:nvPr>
+        </p:nvSpPr>
+        <p:spPr/>
+        <p:txBody>
+          <a:bodyPr/>
+          <a:lstStyle/>
+          <a:p>
+            <a:fld id="{416E7DAE-F324-478B-B027-DBD1548A37B6}" type="slidenum">
+              <a:rPr lang="en-US" smtClean="0"/>
+              <a:t>5</a:t>
+            </a:fld>
+            <a:endParaRPr lang="en-US"/>
+          </a:p>
+        </p:txBody>
+      </p:sp>
+    </p:spTree>
+    <p:extLst>
+      <p:ext uri="{BB962C8B-B14F-4D97-AF65-F5344CB8AC3E}">
+        <p14:creationId xmlns:p14="http://schemas.microsoft.com/office/powerpoint/2010/main" val="1861740026"/>
+      </p:ext>
+    </p:extLst>
+  </p:cSld>
+  <p:clrMapOvr>
+    <a:masterClrMapping/>
+  </p:clrMapOvr>
+</p:notes>
 </file>
 
 <file path=ppt/slideLayouts/slideLayout1.xml><?xml version="1.0" encoding="utf-8"?>
@@ -6947,7 +7540,7 @@
           <p:nvPr/>
         </p:nvPicPr>
         <p:blipFill>
-          <a:blip r:embed="rId2"/>
+          <a:blip r:embed="rId3"/>
           <a:stretch>
             <a:fillRect/>
           </a:stretch>
@@ -7012,7 +7605,7 @@
           <p:nvPr/>
         </p:nvPicPr>
         <p:blipFill>
-          <a:blip r:embed="rId3"/>
+          <a:blip r:embed="rId4"/>
           <a:stretch>
             <a:fillRect/>
           </a:stretch>
@@ -7042,7 +7635,7 @@
           <p:nvPr/>
         </p:nvPicPr>
         <p:blipFill>
-          <a:blip r:embed="rId4">
+          <a:blip r:embed="rId5">
             <a:extLst>
               <a:ext uri="{28A0092B-C50C-407E-A947-70E740481C1C}">
                 <a14:useLocalDpi xmlns:a14="http://schemas.microsoft.com/office/drawing/2010/main" val="0"/>
@@ -7078,7 +7671,7 @@
           <p:nvPr/>
         </p:nvPicPr>
         <p:blipFill>
-          <a:blip r:embed="rId5">
+          <a:blip r:embed="rId6">
             <a:extLst>
               <a:ext uri="{28A0092B-C50C-407E-A947-70E740481C1C}">
                 <a14:useLocalDpi xmlns:a14="http://schemas.microsoft.com/office/drawing/2010/main" val="0"/>
@@ -7102,7 +7695,7 @@
     </p:spTree>
     <p:extLst>
       <p:ext uri="{BB962C8B-B14F-4D97-AF65-F5344CB8AC3E}">
-        <p14:creationId xmlns:p14="http://schemas.microsoft.com/office/powerpoint/2010/main" val="3573527088"/>
+        <p14:creationId xmlns:p14="http://schemas.microsoft.com/office/powerpoint/2010/main" val="3080809281"/>
       </p:ext>
     </p:extLst>
   </p:cSld>
@@ -7113,6 +7706,420 @@
 </file>
 
 <file path=ppt/slides/slide5.xml><?xml version="1.0" encoding="utf-8"?>
+<p:sld xmlns:a="http://schemas.openxmlformats.org/drawingml/2006/main" xmlns:r="http://schemas.openxmlformats.org/officeDocument/2006/relationships" xmlns:p="http://schemas.openxmlformats.org/presentationml/2006/main">
+  <p:cSld>
+    <p:spTree>
+      <p:nvGrpSpPr>
+        <p:cNvPr id="1" name=""/>
+        <p:cNvGrpSpPr/>
+        <p:nvPr/>
+      </p:nvGrpSpPr>
+      <p:grpSpPr>
+        <a:xfrm>
+          <a:off x="0" y="0"/>
+          <a:ext cx="0" cy="0"/>
+          <a:chOff x="0" y="0"/>
+          <a:chExt cx="0" cy="0"/>
+        </a:xfrm>
+      </p:grpSpPr>
+      <p:sp>
+        <p:nvSpPr>
+          <p:cNvPr id="2" name="TextBox 1">
+            <a:extLst>
+              <a:ext uri="{FF2B5EF4-FFF2-40B4-BE49-F238E27FC236}">
+                <a16:creationId xmlns:a16="http://schemas.microsoft.com/office/drawing/2014/main" id="{28D6CA56-C841-444F-B384-3C69A5E13BF0}"/>
+              </a:ext>
+            </a:extLst>
+          </p:cNvPr>
+          <p:cNvSpPr txBox="1"/>
+          <p:nvPr/>
+        </p:nvSpPr>
+        <p:spPr>
+          <a:xfrm>
+            <a:off x="0" y="0"/>
+            <a:ext cx="12192000" cy="584775"/>
+          </a:xfrm>
+          <a:prstGeom prst="rect">
+            <a:avLst/>
+          </a:prstGeom>
+          <a:noFill/>
+        </p:spPr>
+        <p:txBody>
+          <a:bodyPr wrap="square" rtlCol="0">
+            <a:spAutoFit/>
+          </a:bodyPr>
+          <a:lstStyle/>
+          <a:p>
+            <a:pPr algn="ctr"/>
+            <a:r>
+              <a:rPr lang="en-US" sz="3200" dirty="0"/>
+              <a:t>Poverty Rates vs. Changes in GDP and Unemployment Rates</a:t>
+            </a:r>
+          </a:p>
+        </p:txBody>
+      </p:sp>
+      <p:pic>
+        <p:nvPicPr>
+          <p:cNvPr id="8" name="Picture 7" descr="A close up of text on a white background&#10;&#10;Description automatically generated">
+            <a:extLst>
+              <a:ext uri="{FF2B5EF4-FFF2-40B4-BE49-F238E27FC236}">
+                <a16:creationId xmlns:a16="http://schemas.microsoft.com/office/drawing/2014/main" id="{3AEBB89D-EA2E-4EEF-9EED-797495F15C80}"/>
+              </a:ext>
+            </a:extLst>
+          </p:cNvPr>
+          <p:cNvPicPr>
+            <a:picLocks noChangeAspect="1"/>
+          </p:cNvPicPr>
+          <p:nvPr/>
+        </p:nvPicPr>
+        <p:blipFill>
+          <a:blip r:embed="rId3">
+            <a:extLst>
+              <a:ext uri="{28A0092B-C50C-407E-A947-70E740481C1C}">
+                <a14:useLocalDpi xmlns:a14="http://schemas.microsoft.com/office/drawing/2010/main" val="0"/>
+              </a:ext>
+            </a:extLst>
+          </a:blip>
+          <a:stretch>
+            <a:fillRect/>
+          </a:stretch>
+        </p:blipFill>
+        <p:spPr>
+          <a:xfrm>
+            <a:off x="8031978" y="4190033"/>
+            <a:ext cx="4048177" cy="2540391"/>
+          </a:xfrm>
+          <a:prstGeom prst="rect">
+            <a:avLst/>
+          </a:prstGeom>
+        </p:spPr>
+      </p:pic>
+      <p:pic>
+        <p:nvPicPr>
+          <p:cNvPr id="10" name="Picture 9" descr="A close up of a map&#10;&#10;Description automatically generated">
+            <a:extLst>
+              <a:ext uri="{FF2B5EF4-FFF2-40B4-BE49-F238E27FC236}">
+                <a16:creationId xmlns:a16="http://schemas.microsoft.com/office/drawing/2014/main" id="{64CE0EC5-BFAA-482F-81BF-22BAC7917EBB}"/>
+              </a:ext>
+            </a:extLst>
+          </p:cNvPr>
+          <p:cNvPicPr>
+            <a:picLocks noChangeAspect="1"/>
+          </p:cNvPicPr>
+          <p:nvPr/>
+        </p:nvPicPr>
+        <p:blipFill>
+          <a:blip r:embed="rId4">
+            <a:extLst>
+              <a:ext uri="{28A0092B-C50C-407E-A947-70E740481C1C}">
+                <a14:useLocalDpi xmlns:a14="http://schemas.microsoft.com/office/drawing/2010/main" val="0"/>
+              </a:ext>
+            </a:extLst>
+          </a:blip>
+          <a:stretch>
+            <a:fillRect/>
+          </a:stretch>
+        </p:blipFill>
+        <p:spPr>
+          <a:xfrm>
+            <a:off x="111845" y="4271057"/>
+            <a:ext cx="3919063" cy="2459367"/>
+          </a:xfrm>
+          <a:prstGeom prst="rect">
+            <a:avLst/>
+          </a:prstGeom>
+        </p:spPr>
+      </p:pic>
+      <p:pic>
+        <p:nvPicPr>
+          <p:cNvPr id="19" name="Picture 18" descr="A close up of a map&#10;&#10;Description automatically generated">
+            <a:extLst>
+              <a:ext uri="{FF2B5EF4-FFF2-40B4-BE49-F238E27FC236}">
+                <a16:creationId xmlns:a16="http://schemas.microsoft.com/office/drawing/2014/main" id="{00B4171F-9C04-45E8-96CF-B31A6E03AEC1}"/>
+              </a:ext>
+            </a:extLst>
+          </p:cNvPr>
+          <p:cNvPicPr>
+            <a:picLocks noChangeAspect="1"/>
+          </p:cNvPicPr>
+          <p:nvPr/>
+        </p:nvPicPr>
+        <p:blipFill>
+          <a:blip r:embed="rId5">
+            <a:extLst>
+              <a:ext uri="{28A0092B-C50C-407E-A947-70E740481C1C}">
+                <a14:useLocalDpi xmlns:a14="http://schemas.microsoft.com/office/drawing/2010/main" val="0"/>
+              </a:ext>
+            </a:extLst>
+          </a:blip>
+          <a:stretch>
+            <a:fillRect/>
+          </a:stretch>
+        </p:blipFill>
+        <p:spPr>
+          <a:xfrm>
+            <a:off x="8165281" y="584774"/>
+            <a:ext cx="3914874" cy="2783466"/>
+          </a:xfrm>
+          <a:prstGeom prst="rect">
+            <a:avLst/>
+          </a:prstGeom>
+        </p:spPr>
+      </p:pic>
+      <p:pic>
+        <p:nvPicPr>
+          <p:cNvPr id="24" name="Picture 23" descr="A close up of text on a white background&#10;&#10;Description automatically generated">
+            <a:extLst>
+              <a:ext uri="{FF2B5EF4-FFF2-40B4-BE49-F238E27FC236}">
+                <a16:creationId xmlns:a16="http://schemas.microsoft.com/office/drawing/2014/main" id="{BFCBC338-1A26-47A6-B42C-9C0E2105CEBC}"/>
+              </a:ext>
+            </a:extLst>
+          </p:cNvPr>
+          <p:cNvPicPr>
+            <a:picLocks noChangeAspect="1"/>
+          </p:cNvPicPr>
+          <p:nvPr/>
+        </p:nvPicPr>
+        <p:blipFill>
+          <a:blip r:embed="rId6">
+            <a:extLst>
+              <a:ext uri="{28A0092B-C50C-407E-A947-70E740481C1C}">
+                <a14:useLocalDpi xmlns:a14="http://schemas.microsoft.com/office/drawing/2010/main" val="0"/>
+              </a:ext>
+            </a:extLst>
+          </a:blip>
+          <a:stretch>
+            <a:fillRect/>
+          </a:stretch>
+        </p:blipFill>
+        <p:spPr>
+          <a:xfrm>
+            <a:off x="133678" y="584774"/>
+            <a:ext cx="3914876" cy="2783467"/>
+          </a:xfrm>
+          <a:prstGeom prst="rect">
+            <a:avLst/>
+          </a:prstGeom>
+        </p:spPr>
+      </p:pic>
+      <p:pic>
+        <p:nvPicPr>
+          <p:cNvPr id="26" name="Picture 25" descr="A close up of a map&#10;&#10;Description automatically generated">
+            <a:extLst>
+              <a:ext uri="{FF2B5EF4-FFF2-40B4-BE49-F238E27FC236}">
+                <a16:creationId xmlns:a16="http://schemas.microsoft.com/office/drawing/2014/main" id="{0F71F136-24D9-4A29-937F-A3FC6981CF18}"/>
+              </a:ext>
+            </a:extLst>
+          </p:cNvPr>
+          <p:cNvPicPr>
+            <a:picLocks noChangeAspect="1"/>
+          </p:cNvPicPr>
+          <p:nvPr/>
+        </p:nvPicPr>
+        <p:blipFill>
+          <a:blip r:embed="rId7">
+            <a:extLst>
+              <a:ext uri="{28A0092B-C50C-407E-A947-70E740481C1C}">
+                <a14:useLocalDpi xmlns:a14="http://schemas.microsoft.com/office/drawing/2010/main" val="0"/>
+              </a:ext>
+            </a:extLst>
+          </a:blip>
+          <a:stretch>
+            <a:fillRect/>
+          </a:stretch>
+        </p:blipFill>
+        <p:spPr>
+          <a:xfrm>
+            <a:off x="4182232" y="584774"/>
+            <a:ext cx="3871204" cy="2752416"/>
+          </a:xfrm>
+          <a:prstGeom prst="rect">
+            <a:avLst/>
+          </a:prstGeom>
+        </p:spPr>
+      </p:pic>
+      <p:pic>
+        <p:nvPicPr>
+          <p:cNvPr id="27" name="Picture 26">
+            <a:extLst>
+              <a:ext uri="{FF2B5EF4-FFF2-40B4-BE49-F238E27FC236}">
+                <a16:creationId xmlns:a16="http://schemas.microsoft.com/office/drawing/2014/main" id="{D443CCD1-5AD6-4098-B807-CB24CB10D321}"/>
+              </a:ext>
+            </a:extLst>
+          </p:cNvPr>
+          <p:cNvPicPr>
+            <a:picLocks noChangeAspect="1"/>
+          </p:cNvPicPr>
+          <p:nvPr/>
+        </p:nvPicPr>
+        <p:blipFill>
+          <a:blip r:embed="rId8"/>
+          <a:stretch>
+            <a:fillRect/>
+          </a:stretch>
+        </p:blipFill>
+        <p:spPr>
+          <a:xfrm>
+            <a:off x="4140730" y="3551858"/>
+            <a:ext cx="3781425" cy="1276350"/>
+          </a:xfrm>
+          <a:prstGeom prst="rect">
+            <a:avLst/>
+          </a:prstGeom>
+        </p:spPr>
+      </p:pic>
+    </p:spTree>
+    <p:extLst>
+      <p:ext uri="{BB962C8B-B14F-4D97-AF65-F5344CB8AC3E}">
+        <p14:creationId xmlns:p14="http://schemas.microsoft.com/office/powerpoint/2010/main" val="2033105105"/>
+      </p:ext>
+    </p:extLst>
+  </p:cSld>
+  <p:clrMapOvr>
+    <a:masterClrMapping/>
+  </p:clrMapOvr>
+</p:sld>
+</file>
+
+<file path=ppt/slides/slide6.xml><?xml version="1.0" encoding="utf-8"?>
+<p:sld xmlns:a="http://schemas.openxmlformats.org/drawingml/2006/main" xmlns:r="http://schemas.openxmlformats.org/officeDocument/2006/relationships" xmlns:p="http://schemas.openxmlformats.org/presentationml/2006/main">
+  <p:cSld>
+    <p:spTree>
+      <p:nvGrpSpPr>
+        <p:cNvPr id="1" name=""/>
+        <p:cNvGrpSpPr/>
+        <p:nvPr/>
+      </p:nvGrpSpPr>
+      <p:grpSpPr>
+        <a:xfrm>
+          <a:off x="0" y="0"/>
+          <a:ext cx="0" cy="0"/>
+          <a:chOff x="0" y="0"/>
+          <a:chExt cx="0" cy="0"/>
+        </a:xfrm>
+      </p:grpSpPr>
+      <p:sp>
+        <p:nvSpPr>
+          <p:cNvPr id="2" name="TextBox 1">
+            <a:extLst>
+              <a:ext uri="{FF2B5EF4-FFF2-40B4-BE49-F238E27FC236}">
+                <a16:creationId xmlns:a16="http://schemas.microsoft.com/office/drawing/2014/main" id="{DF000BE4-E38E-4FF3-8BF0-2664C82E2580}"/>
+              </a:ext>
+            </a:extLst>
+          </p:cNvPr>
+          <p:cNvSpPr txBox="1"/>
+          <p:nvPr/>
+        </p:nvSpPr>
+        <p:spPr>
+          <a:xfrm>
+            <a:off x="3454400" y="285779"/>
+            <a:ext cx="5283200" cy="1077218"/>
+          </a:xfrm>
+          <a:prstGeom prst="rect">
+            <a:avLst/>
+          </a:prstGeom>
+          <a:noFill/>
+        </p:spPr>
+        <p:txBody>
+          <a:bodyPr wrap="square" rtlCol="0">
+            <a:spAutoFit/>
+          </a:bodyPr>
+          <a:lstStyle/>
+          <a:p>
+            <a:pPr algn="ctr"/>
+            <a:r>
+              <a:rPr lang="en-US" sz="3200" dirty="0"/>
+              <a:t>Net Domestic Migration Rate 2010-11 &amp; 2017-18</a:t>
+            </a:r>
+          </a:p>
+        </p:txBody>
+      </p:sp>
+      <p:pic>
+        <p:nvPicPr>
+          <p:cNvPr id="4" name="Picture 3">
+            <a:extLst>
+              <a:ext uri="{FF2B5EF4-FFF2-40B4-BE49-F238E27FC236}">
+                <a16:creationId xmlns:a16="http://schemas.microsoft.com/office/drawing/2014/main" id="{A051CA12-F7E4-49F4-973F-B94A0B72FA36}"/>
+              </a:ext>
+            </a:extLst>
+          </p:cNvPr>
+          <p:cNvPicPr>
+            <a:picLocks noChangeAspect="1"/>
+          </p:cNvPicPr>
+          <p:nvPr/>
+        </p:nvPicPr>
+        <p:blipFill>
+          <a:blip r:embed="rId2">
+            <a:extLst>
+              <a:ext uri="{28A0092B-C50C-407E-A947-70E740481C1C}">
+                <a14:useLocalDpi xmlns:a14="http://schemas.microsoft.com/office/drawing/2010/main" val="0"/>
+              </a:ext>
+            </a:extLst>
+          </a:blip>
+          <a:stretch>
+            <a:fillRect/>
+          </a:stretch>
+        </p:blipFill>
+        <p:spPr>
+          <a:xfrm>
+            <a:off x="0" y="2995550"/>
+            <a:ext cx="5957456" cy="3829793"/>
+          </a:xfrm>
+          <a:prstGeom prst="rect">
+            <a:avLst/>
+          </a:prstGeom>
+        </p:spPr>
+      </p:pic>
+      <p:pic>
+        <p:nvPicPr>
+          <p:cNvPr id="6" name="Picture 5">
+            <a:extLst>
+              <a:ext uri="{FF2B5EF4-FFF2-40B4-BE49-F238E27FC236}">
+                <a16:creationId xmlns:a16="http://schemas.microsoft.com/office/drawing/2014/main" id="{857C57FE-13BE-4AC1-A1E6-2A31D1BCA53B}"/>
+              </a:ext>
+            </a:extLst>
+          </p:cNvPr>
+          <p:cNvPicPr>
+            <a:picLocks noChangeAspect="1"/>
+          </p:cNvPicPr>
+          <p:nvPr/>
+        </p:nvPicPr>
+        <p:blipFill>
+          <a:blip r:embed="rId3">
+            <a:extLst>
+              <a:ext uri="{28A0092B-C50C-407E-A947-70E740481C1C}">
+                <a14:useLocalDpi xmlns:a14="http://schemas.microsoft.com/office/drawing/2010/main" val="0"/>
+              </a:ext>
+            </a:extLst>
+          </a:blip>
+          <a:stretch>
+            <a:fillRect/>
+          </a:stretch>
+        </p:blipFill>
+        <p:spPr>
+          <a:xfrm>
+            <a:off x="6234546" y="2995549"/>
+            <a:ext cx="5957454" cy="3829793"/>
+          </a:xfrm>
+          <a:prstGeom prst="rect">
+            <a:avLst/>
+          </a:prstGeom>
+        </p:spPr>
+      </p:pic>
+    </p:spTree>
+    <p:extLst>
+      <p:ext uri="{BB962C8B-B14F-4D97-AF65-F5344CB8AC3E}">
+        <p14:creationId xmlns:p14="http://schemas.microsoft.com/office/powerpoint/2010/main" val="1304743027"/>
+      </p:ext>
+    </p:extLst>
+  </p:cSld>
+  <p:clrMapOvr>
+    <a:masterClrMapping/>
+  </p:clrMapOvr>
+</p:sld>
+</file>
+
+<file path=ppt/slides/slide7.xml><?xml version="1.0" encoding="utf-8"?>
 <p:sld xmlns:a="http://schemas.openxmlformats.org/drawingml/2006/main" xmlns:r="http://schemas.openxmlformats.org/officeDocument/2006/relationships" xmlns:p="http://schemas.openxmlformats.org/presentationml/2006/main">
   <p:cSld>
     <p:spTree>
@@ -7326,354 +8333,6 @@
 </p:sld>
 </file>
 
-<file path=ppt/slides/slide6.xml><?xml version="1.0" encoding="utf-8"?>
-<p:sld xmlns:a="http://schemas.openxmlformats.org/drawingml/2006/main" xmlns:r="http://schemas.openxmlformats.org/officeDocument/2006/relationships" xmlns:p="http://schemas.openxmlformats.org/presentationml/2006/main">
-  <p:cSld>
-    <p:spTree>
-      <p:nvGrpSpPr>
-        <p:cNvPr id="1" name=""/>
-        <p:cNvGrpSpPr/>
-        <p:nvPr/>
-      </p:nvGrpSpPr>
-      <p:grpSpPr>
-        <a:xfrm>
-          <a:off x="0" y="0"/>
-          <a:ext cx="0" cy="0"/>
-          <a:chOff x="0" y="0"/>
-          <a:chExt cx="0" cy="0"/>
-        </a:xfrm>
-      </p:grpSpPr>
-      <p:sp>
-        <p:nvSpPr>
-          <p:cNvPr id="2" name="TextBox 1">
-            <a:extLst>
-              <a:ext uri="{FF2B5EF4-FFF2-40B4-BE49-F238E27FC236}">
-                <a16:creationId xmlns:a16="http://schemas.microsoft.com/office/drawing/2014/main" id="{28D6CA56-C841-444F-B384-3C69A5E13BF0}"/>
-              </a:ext>
-            </a:extLst>
-          </p:cNvPr>
-          <p:cNvSpPr txBox="1"/>
-          <p:nvPr/>
-        </p:nvSpPr>
-        <p:spPr>
-          <a:xfrm>
-            <a:off x="0" y="0"/>
-            <a:ext cx="12192000" cy="584775"/>
-          </a:xfrm>
-          <a:prstGeom prst="rect">
-            <a:avLst/>
-          </a:prstGeom>
-          <a:noFill/>
-        </p:spPr>
-        <p:txBody>
-          <a:bodyPr wrap="square" rtlCol="0">
-            <a:spAutoFit/>
-          </a:bodyPr>
-          <a:lstStyle/>
-          <a:p>
-            <a:pPr algn="ctr"/>
-            <a:r>
-              <a:rPr lang="en-US" sz="3200" dirty="0"/>
-              <a:t>Poverty Rates vs. Changes in GDP and Unemployment Rates</a:t>
-            </a:r>
-          </a:p>
-        </p:txBody>
-      </p:sp>
-      <p:pic>
-        <p:nvPicPr>
-          <p:cNvPr id="12" name="Picture 11">
-            <a:extLst>
-              <a:ext uri="{FF2B5EF4-FFF2-40B4-BE49-F238E27FC236}">
-                <a16:creationId xmlns:a16="http://schemas.microsoft.com/office/drawing/2014/main" id="{A4D5925E-4D32-43FF-AAFE-B2FC9614AAB8}"/>
-              </a:ext>
-            </a:extLst>
-          </p:cNvPr>
-          <p:cNvPicPr>
-            <a:picLocks noChangeAspect="1"/>
-          </p:cNvPicPr>
-          <p:nvPr/>
-        </p:nvPicPr>
-        <p:blipFill>
-          <a:blip r:embed="rId2">
-            <a:extLst>
-              <a:ext uri="{28A0092B-C50C-407E-A947-70E740481C1C}">
-                <a14:useLocalDpi xmlns:a14="http://schemas.microsoft.com/office/drawing/2010/main" val="0"/>
-              </a:ext>
-            </a:extLst>
-          </a:blip>
-          <a:stretch>
-            <a:fillRect/>
-          </a:stretch>
-        </p:blipFill>
-        <p:spPr>
-          <a:xfrm>
-            <a:off x="347132" y="584775"/>
-            <a:ext cx="4047067" cy="3035300"/>
-          </a:xfrm>
-          <a:prstGeom prst="rect">
-            <a:avLst/>
-          </a:prstGeom>
-        </p:spPr>
-      </p:pic>
-      <p:pic>
-        <p:nvPicPr>
-          <p:cNvPr id="14" name="Picture 13" descr="A screenshot of a cell phone&#10;&#10;Description automatically generated">
-            <a:extLst>
-              <a:ext uri="{FF2B5EF4-FFF2-40B4-BE49-F238E27FC236}">
-                <a16:creationId xmlns:a16="http://schemas.microsoft.com/office/drawing/2014/main" id="{83A91B9B-88E4-4861-B67F-82FC25BBB887}"/>
-              </a:ext>
-            </a:extLst>
-          </p:cNvPr>
-          <p:cNvPicPr>
-            <a:picLocks noChangeAspect="1"/>
-          </p:cNvPicPr>
-          <p:nvPr/>
-        </p:nvPicPr>
-        <p:blipFill>
-          <a:blip r:embed="rId3">
-            <a:extLst>
-              <a:ext uri="{28A0092B-C50C-407E-A947-70E740481C1C}">
-                <a14:useLocalDpi xmlns:a14="http://schemas.microsoft.com/office/drawing/2010/main" val="0"/>
-              </a:ext>
-            </a:extLst>
-          </a:blip>
-          <a:stretch>
-            <a:fillRect/>
-          </a:stretch>
-        </p:blipFill>
-        <p:spPr>
-          <a:xfrm>
-            <a:off x="7823200" y="584775"/>
-            <a:ext cx="4047067" cy="3035300"/>
-          </a:xfrm>
-          <a:prstGeom prst="rect">
-            <a:avLst/>
-          </a:prstGeom>
-        </p:spPr>
-      </p:pic>
-      <p:pic>
-        <p:nvPicPr>
-          <p:cNvPr id="18" name="Picture 17" descr="A screenshot of a cell phone&#10;&#10;Description automatically generated">
-            <a:extLst>
-              <a:ext uri="{FF2B5EF4-FFF2-40B4-BE49-F238E27FC236}">
-                <a16:creationId xmlns:a16="http://schemas.microsoft.com/office/drawing/2014/main" id="{7150E1BC-2FE0-42EB-A012-13BB1D2F1BE9}"/>
-              </a:ext>
-            </a:extLst>
-          </p:cNvPr>
-          <p:cNvPicPr>
-            <a:picLocks noChangeAspect="1"/>
-          </p:cNvPicPr>
-          <p:nvPr/>
-        </p:nvPicPr>
-        <p:blipFill>
-          <a:blip r:embed="rId4">
-            <a:extLst>
-              <a:ext uri="{28A0092B-C50C-407E-A947-70E740481C1C}">
-                <a14:useLocalDpi xmlns:a14="http://schemas.microsoft.com/office/drawing/2010/main" val="0"/>
-              </a:ext>
-            </a:extLst>
-          </a:blip>
-          <a:stretch>
-            <a:fillRect/>
-          </a:stretch>
-        </p:blipFill>
-        <p:spPr>
-          <a:xfrm>
-            <a:off x="347131" y="3695125"/>
-            <a:ext cx="4047067" cy="3035300"/>
-          </a:xfrm>
-          <a:prstGeom prst="rect">
-            <a:avLst/>
-          </a:prstGeom>
-        </p:spPr>
-      </p:pic>
-      <p:pic>
-        <p:nvPicPr>
-          <p:cNvPr id="20" name="Picture 19" descr="A screenshot of a cell phone&#10;&#10;Description automatically generated">
-            <a:extLst>
-              <a:ext uri="{FF2B5EF4-FFF2-40B4-BE49-F238E27FC236}">
-                <a16:creationId xmlns:a16="http://schemas.microsoft.com/office/drawing/2014/main" id="{54D1A7D5-CA73-4393-B50A-5019F2C78F96}"/>
-              </a:ext>
-            </a:extLst>
-          </p:cNvPr>
-          <p:cNvPicPr>
-            <a:picLocks noChangeAspect="1"/>
-          </p:cNvPicPr>
-          <p:nvPr/>
-        </p:nvPicPr>
-        <p:blipFill>
-          <a:blip r:embed="rId5">
-            <a:extLst>
-              <a:ext uri="{28A0092B-C50C-407E-A947-70E740481C1C}">
-                <a14:useLocalDpi xmlns:a14="http://schemas.microsoft.com/office/drawing/2010/main" val="0"/>
-              </a:ext>
-            </a:extLst>
-          </a:blip>
-          <a:stretch>
-            <a:fillRect/>
-          </a:stretch>
-        </p:blipFill>
-        <p:spPr>
-          <a:xfrm>
-            <a:off x="7822434" y="3695125"/>
-            <a:ext cx="4047833" cy="3035875"/>
-          </a:xfrm>
-          <a:prstGeom prst="rect">
-            <a:avLst/>
-          </a:prstGeom>
-        </p:spPr>
-      </p:pic>
-    </p:spTree>
-    <p:extLst>
-      <p:ext uri="{BB962C8B-B14F-4D97-AF65-F5344CB8AC3E}">
-        <p14:creationId xmlns:p14="http://schemas.microsoft.com/office/powerpoint/2010/main" val="2033105105"/>
-      </p:ext>
-    </p:extLst>
-  </p:cSld>
-  <p:clrMapOvr>
-    <a:masterClrMapping/>
-  </p:clrMapOvr>
-</p:sld>
-</file>
-
-<file path=ppt/slides/slide7.xml><?xml version="1.0" encoding="utf-8"?>
-<p:sld xmlns:a="http://schemas.openxmlformats.org/drawingml/2006/main" xmlns:r="http://schemas.openxmlformats.org/officeDocument/2006/relationships" xmlns:p="http://schemas.openxmlformats.org/presentationml/2006/main">
-  <p:cSld>
-    <p:spTree>
-      <p:nvGrpSpPr>
-        <p:cNvPr id="1" name=""/>
-        <p:cNvGrpSpPr/>
-        <p:nvPr/>
-      </p:nvGrpSpPr>
-      <p:grpSpPr>
-        <a:xfrm>
-          <a:off x="0" y="0"/>
-          <a:ext cx="0" cy="0"/>
-          <a:chOff x="0" y="0"/>
-          <a:chExt cx="0" cy="0"/>
-        </a:xfrm>
-      </p:grpSpPr>
-      <p:sp>
-        <p:nvSpPr>
-          <p:cNvPr id="2" name="TextBox 1">
-            <a:extLst>
-              <a:ext uri="{FF2B5EF4-FFF2-40B4-BE49-F238E27FC236}">
-                <a16:creationId xmlns:a16="http://schemas.microsoft.com/office/drawing/2014/main" id="{DF000BE4-E38E-4FF3-8BF0-2664C82E2580}"/>
-              </a:ext>
-            </a:extLst>
-          </p:cNvPr>
-          <p:cNvSpPr txBox="1"/>
-          <p:nvPr/>
-        </p:nvSpPr>
-        <p:spPr>
-          <a:xfrm>
-            <a:off x="3454400" y="285779"/>
-            <a:ext cx="5283200" cy="1077218"/>
-          </a:xfrm>
-          <a:prstGeom prst="rect">
-            <a:avLst/>
-          </a:prstGeom>
-          <a:noFill/>
-        </p:spPr>
-        <p:txBody>
-          <a:bodyPr wrap="square" rtlCol="0">
-            <a:spAutoFit/>
-          </a:bodyPr>
-          <a:lstStyle/>
-          <a:p>
-            <a:pPr algn="ctr"/>
-            <a:r>
-              <a:rPr lang="en-US" sz="3200" dirty="0"/>
-              <a:t>Net Domestic Migration Rate 2010-11 &amp; 2017-18</a:t>
-            </a:r>
-          </a:p>
-        </p:txBody>
-      </p:sp>
-      <p:pic>
-        <p:nvPicPr>
-          <p:cNvPr id="4" name="Picture 3">
-            <a:extLst>
-              <a:ext uri="{FF2B5EF4-FFF2-40B4-BE49-F238E27FC236}">
-                <a16:creationId xmlns:a16="http://schemas.microsoft.com/office/drawing/2014/main" id="{A051CA12-F7E4-49F4-973F-B94A0B72FA36}"/>
-              </a:ext>
-            </a:extLst>
-          </p:cNvPr>
-          <p:cNvPicPr>
-            <a:picLocks noChangeAspect="1"/>
-          </p:cNvPicPr>
-          <p:nvPr/>
-        </p:nvPicPr>
-        <p:blipFill>
-          <a:blip r:embed="rId2">
-            <a:extLst>
-              <a:ext uri="{28A0092B-C50C-407E-A947-70E740481C1C}">
-                <a14:useLocalDpi xmlns:a14="http://schemas.microsoft.com/office/drawing/2010/main" val="0"/>
-              </a:ext>
-            </a:extLst>
-          </a:blip>
-          <a:stretch>
-            <a:fillRect/>
-          </a:stretch>
-        </p:blipFill>
-        <p:spPr>
-          <a:xfrm>
-            <a:off x="0" y="2995550"/>
-            <a:ext cx="5957456" cy="3829793"/>
-          </a:xfrm>
-          <a:prstGeom prst="rect">
-            <a:avLst/>
-          </a:prstGeom>
-        </p:spPr>
-      </p:pic>
-      <p:pic>
-        <p:nvPicPr>
-          <p:cNvPr id="6" name="Picture 5">
-            <a:extLst>
-              <a:ext uri="{FF2B5EF4-FFF2-40B4-BE49-F238E27FC236}">
-                <a16:creationId xmlns:a16="http://schemas.microsoft.com/office/drawing/2014/main" id="{857C57FE-13BE-4AC1-A1E6-2A31D1BCA53B}"/>
-              </a:ext>
-            </a:extLst>
-          </p:cNvPr>
-          <p:cNvPicPr>
-            <a:picLocks noChangeAspect="1"/>
-          </p:cNvPicPr>
-          <p:nvPr/>
-        </p:nvPicPr>
-        <p:blipFill>
-          <a:blip r:embed="rId3">
-            <a:extLst>
-              <a:ext uri="{28A0092B-C50C-407E-A947-70E740481C1C}">
-                <a14:useLocalDpi xmlns:a14="http://schemas.microsoft.com/office/drawing/2010/main" val="0"/>
-              </a:ext>
-            </a:extLst>
-          </a:blip>
-          <a:stretch>
-            <a:fillRect/>
-          </a:stretch>
-        </p:blipFill>
-        <p:spPr>
-          <a:xfrm>
-            <a:off x="6234546" y="2995549"/>
-            <a:ext cx="5957454" cy="3829793"/>
-          </a:xfrm>
-          <a:prstGeom prst="rect">
-            <a:avLst/>
-          </a:prstGeom>
-        </p:spPr>
-      </p:pic>
-    </p:spTree>
-    <p:extLst>
-      <p:ext uri="{BB962C8B-B14F-4D97-AF65-F5344CB8AC3E}">
-        <p14:creationId xmlns:p14="http://schemas.microsoft.com/office/powerpoint/2010/main" val="1304743027"/>
-      </p:ext>
-    </p:extLst>
-  </p:cSld>
-  <p:clrMapOvr>
-    <a:masterClrMapping/>
-  </p:clrMapOvr>
-</p:sld>
-</file>
-
 <file path=ppt/slides/slide8.xml><?xml version="1.0" encoding="utf-8"?>
 <p:sld xmlns:a="http://schemas.openxmlformats.org/drawingml/2006/main" xmlns:r="http://schemas.openxmlformats.org/officeDocument/2006/relationships" xmlns:p="http://schemas.openxmlformats.org/presentationml/2006/main">
   <p:cSld>
@@ -7705,7 +8364,7 @@
         </p:nvSpPr>
         <p:spPr>
           <a:xfrm>
-            <a:off x="1136072" y="415637"/>
+            <a:off x="1136072" y="0"/>
             <a:ext cx="9919855" cy="584775"/>
           </a:xfrm>
           <a:prstGeom prst="rect">
@@ -7741,8 +8400,8 @@
         </p:nvSpPr>
         <p:spPr>
           <a:xfrm>
-            <a:off x="1300294" y="1216404"/>
-            <a:ext cx="6837027" cy="1200329"/>
+            <a:off x="0" y="480291"/>
+            <a:ext cx="12192000" cy="7201972"/>
           </a:xfrm>
           <a:prstGeom prst="rect">
             <a:avLst/>
@@ -7760,8 +8419,14 @@
               <a:buChar char="•"/>
             </a:pPr>
             <a:r>
-              <a:rPr lang="en-US" dirty="0"/>
-              <a:t>Charlie summarize slide</a:t>
+              <a:rPr lang="en-US" sz="1400" dirty="0"/>
+              <a:t>For GDP, which states survived the recession the best? Which states were impacted the hardest by the recession?</a:t>
+            </a:r>
+          </a:p>
+          <a:p>
+            <a:r>
+              <a:rPr lang="en-US" sz="1400" dirty="0"/>
+              <a:t>GDP Findings: 1. North Dakota was the only state that showed in the top 5 for both 07-08 and 08-18. 2. Connecticut was the only state in the bottom 5 for 07-08 that hasn't been able to rebound and finds itself in the bottom 5 for 08-18, as well.</a:t>
             </a:r>
           </a:p>
           <a:p>
@@ -7769,10 +8434,7 @@
               <a:buFont typeface="Arial" panose="020B0604020202020204" pitchFamily="34" charset="0"/>
               <a:buChar char="•"/>
             </a:pPr>
-            <a:r>
-              <a:rPr lang="en-US" dirty="0"/>
-              <a:t>Ayrton summarize slide</a:t>
-            </a:r>
+            <a:endParaRPr lang="en-US" sz="1400" dirty="0"/>
           </a:p>
           <a:p>
             <a:pPr marL="285750" indent="-285750">
@@ -7780,8 +8442,8 @@
               <a:buChar char="•"/>
             </a:pPr>
             <a:r>
-              <a:rPr lang="en-US" dirty="0"/>
-              <a:t>Sai summarize slide</a:t>
+              <a:rPr lang="en-US" sz="1400" dirty="0"/>
+              <a:t>Summarization for State Unemployment:  Referring to the previous slide of state GDP we noticed a positive correlation between California’s state GDP change from 2008 to 2018 and Unemployment rate change from 2008 to 2018 as being in the top 5.  I also noticed that Louisiana had very little change from 2008 to 2018 in state GDP and in unemployment change from 2008 to 2018. Another Inference that can be observed from the State GDP and the Unemployment rate changes is how Wyoming was one of the worst states that recovered from the 2008 financial crisis with a GDP decreased by 29.7% and unemployment increased by 1% since 2008 to 2018.</a:t>
             </a:r>
           </a:p>
           <a:p>
@@ -7789,9 +8451,144 @@
               <a:buFont typeface="Arial" panose="020B0604020202020204" pitchFamily="34" charset="0"/>
               <a:buChar char="•"/>
             </a:pPr>
-            <a:r>
-              <a:rPr lang="en-US" dirty="0"/>
-              <a:t>Zach summarize slide</a:t>
+            <a:endParaRPr lang="en-US" sz="1400" dirty="0"/>
+          </a:p>
+          <a:p>
+            <a:pPr marL="285750" indent="-285750">
+              <a:buFont typeface="Arial" panose="020B0604020202020204" pitchFamily="34" charset="0"/>
+              <a:buChar char="•"/>
+            </a:pPr>
+            <a:r>
+              <a:rPr lang="en-US" sz="1400" dirty="0"/>
+              <a:t>Which states in the United States had some of the biggest changes in net domestic migration rate between the periods of 2010-11 to 2017-18?</a:t>
+            </a:r>
+          </a:p>
+          <a:p>
+            <a:pPr marL="285750" indent="-285750">
+              <a:buFontTx/>
+              <a:buChar char="-"/>
+            </a:pPr>
+            <a:r>
+              <a:rPr lang="en-US" sz="1400" dirty="0"/>
+              <a:t>Alaska had an alarming drop in the net domestic migration rate from 2010-11 to 2017-18. The state went from -1.4% to -14.9. That is a 13.5% increase of the net domestic migration rate after an 8 year period</a:t>
+            </a:r>
+          </a:p>
+          <a:p>
+            <a:pPr marL="285750" indent="-285750">
+              <a:buFontTx/>
+              <a:buChar char="-"/>
+            </a:pPr>
+            <a:r>
+              <a:rPr lang="en-US" sz="1400" dirty="0"/>
+              <a:t>Idaho had a slightly positive migration rate of 0.2% in 2010-11 but turned that around in 2017-18 with the second highest net migration rate of that year 13.9% and the second greatest increase after that 8 year period of 13.7%</a:t>
+            </a:r>
+          </a:p>
+          <a:p>
+            <a:pPr marL="285750" indent="-285750">
+              <a:buFontTx/>
+              <a:buChar char="-"/>
+            </a:pPr>
+            <a:r>
+              <a:rPr lang="en-US" sz="1400" dirty="0"/>
+              <a:t>Nevada had a negative migration rate of -2.3% in 2010-11 but made the greatest increase at 18.1% and had the highest net migration rate of the 2017-18 period of 15.8%</a:t>
+            </a:r>
+          </a:p>
+          <a:p>
+            <a:r>
+              <a:rPr lang="en-US" sz="1400" dirty="0"/>
+              <a:t>        Which states in the United States stayed the most consistent over the past 8 years?</a:t>
+            </a:r>
+          </a:p>
+          <a:p>
+            <a:pPr marL="285750" indent="-285750">
+              <a:buFontTx/>
+              <a:buChar char="-"/>
+            </a:pPr>
+            <a:r>
+              <a:rPr lang="en-US" sz="1400" dirty="0"/>
+              <a:t>Florida had a positive migration rate of 5.6% in 2010-11 and only had a 0.7% increase in 2017-18 to give them 6.3%</a:t>
+            </a:r>
+          </a:p>
+          <a:p>
+            <a:pPr marL="285750" indent="-285750">
+              <a:buFontTx/>
+              <a:buChar char="-"/>
+            </a:pPr>
+            <a:r>
+              <a:rPr lang="en-US" sz="1400" dirty="0"/>
+              <a:t>Kentucky was another state with only a 0.8% migration rate which dropped to 0.2% in 2017-18, a loss of 0.6%</a:t>
+            </a:r>
+          </a:p>
+          <a:p>
+            <a:pPr marL="285750" indent="-285750">
+              <a:buFontTx/>
+              <a:buChar char="-"/>
+            </a:pPr>
+            <a:r>
+              <a:rPr lang="en-US" sz="1400" dirty="0"/>
+              <a:t>Pennsylvania had an increase in migration rate after the 8 year period from -0.6% in 2010-11 to 1.6% in 2017-18, a 2.2% increase</a:t>
+            </a:r>
+          </a:p>
+          <a:p>
+            <a:pPr marL="285750" indent="-285750">
+              <a:buFont typeface="Arial" panose="020B0604020202020204" pitchFamily="34" charset="0"/>
+              <a:buChar char="•"/>
+            </a:pPr>
+            <a:r>
+              <a:rPr lang="en-US" sz="1400" dirty="0"/>
+              <a:t>Comparing the relationship between Unemployment Rate and Net Domestic Migration Rate in 2010-11 &amp; 2017-18 (Scatter Plots):</a:t>
+            </a:r>
+          </a:p>
+          <a:p>
+            <a:pPr marL="285750" indent="-285750">
+              <a:buFontTx/>
+              <a:buChar char="-"/>
+            </a:pPr>
+            <a:r>
+              <a:rPr lang="en-US" sz="1400" dirty="0"/>
+              <a:t>The migration rate from 2010-11 to 2017-18 has dropped significantly overall. The highest peak in 2010-11 for migration rate is between 12-14% while 2017-18 is between 6-7%</a:t>
+            </a:r>
+          </a:p>
+          <a:p>
+            <a:pPr marL="285750" indent="-285750">
+              <a:buFontTx/>
+              <a:buChar char="-"/>
+            </a:pPr>
+            <a:r>
+              <a:rPr lang="en-US" sz="1400" dirty="0"/>
+              <a:t>With the exception of a few outliers the overall unemployment rate has spread out more. In 2010-11 the unemployment rate was generally between -5% and 6%, while in 2017-18 it was generally between -10% and 10%.</a:t>
+            </a:r>
+          </a:p>
+          <a:p>
+            <a:pPr marL="285750" indent="-285750">
+              <a:buFontTx/>
+              <a:buChar char="-"/>
+            </a:pPr>
+            <a:r>
+              <a:rPr lang="en-US" sz="1400" dirty="0"/>
+              <a:t>Concluding Analysis:- We can say that based on the data visualized in the presentation, there is not an obvious positive or negative trend between Unemployment rate and Domestic migration rate.  </a:t>
+            </a:r>
+          </a:p>
+          <a:p>
+            <a:pPr marL="285750" indent="-285750">
+              <a:buFont typeface="Arial" panose="020B0604020202020204" pitchFamily="34" charset="0"/>
+              <a:buChar char="•"/>
+            </a:pPr>
+            <a:r>
+              <a:rPr lang="en-US" sz="1400" dirty="0"/>
+              <a:t>Was there any correlation between poverty changes and unemployment change and GDP change? Did states with higher positive GDP changes have decreases in poverty rates?</a:t>
+            </a:r>
+          </a:p>
+          <a:p>
+            <a:r>
+              <a:rPr lang="en-US" sz="1400" dirty="0"/>
+              <a:t>	1. From 07-08, there were no statistically significant trends between poverty and unemployment and poverty and GDP changes.</a:t>
+            </a:r>
+          </a:p>
+          <a:p>
+            <a:r>
+              <a:rPr lang="en-US" sz="1400" dirty="0"/>
+              <a:t>	2.  From 08-17, there were significant trends specifically decreases in poverty rate correlated with increases in GDP and decreases in poverty rate correlated with decreases in unemployment rate as hypothesized, but there was a lot of variability </a:t>
             </a:r>
           </a:p>
         </p:txBody>
@@ -8063,4 +8860,299 @@
     </a:ext>
   </a:extLst>
 </a:theme>
+</file>
+
+<file path=ppt/theme/theme2.xml><?xml version="1.0" encoding="utf-8"?>
+<a:theme xmlns:a="http://schemas.openxmlformats.org/drawingml/2006/main" name="Office Theme">
+  <a:themeElements>
+    <a:clrScheme name="Office">
+      <a:dk1>
+        <a:sysClr val="windowText" lastClr="000000"/>
+      </a:dk1>
+      <a:lt1>
+        <a:sysClr val="window" lastClr="FFFFFF"/>
+      </a:lt1>
+      <a:dk2>
+        <a:srgbClr val="44546A"/>
+      </a:dk2>
+      <a:lt2>
+        <a:srgbClr val="E7E6E6"/>
+      </a:lt2>
+      <a:accent1>
+        <a:srgbClr val="4472C4"/>
+      </a:accent1>
+      <a:accent2>
+        <a:srgbClr val="ED7D31"/>
+      </a:accent2>
+      <a:accent3>
+        <a:srgbClr val="A5A5A5"/>
+      </a:accent3>
+      <a:accent4>
+        <a:srgbClr val="FFC000"/>
+      </a:accent4>
+      <a:accent5>
+        <a:srgbClr val="5B9BD5"/>
+      </a:accent5>
+      <a:accent6>
+        <a:srgbClr val="70AD47"/>
+      </a:accent6>
+      <a:hlink>
+        <a:srgbClr val="0563C1"/>
+      </a:hlink>
+      <a:folHlink>
+        <a:srgbClr val="954F72"/>
+      </a:folHlink>
+    </a:clrScheme>
+    <a:fontScheme name="Office">
+      <a:majorFont>
+        <a:latin typeface="Calibri Light" panose="020F0302020204030204"/>
+        <a:ea typeface=""/>
+        <a:cs typeface=""/>
+        <a:font script="Jpan" typeface="游ゴシック Light"/>
+        <a:font script="Hang" typeface="맑은 고딕"/>
+        <a:font script="Hans" typeface="等线 Light"/>
+        <a:font script="Hant" typeface="新細明體"/>
+        <a:font script="Arab" typeface="Times New Roman"/>
+        <a:font script="Hebr" typeface="Times New Roman"/>
+        <a:font script="Thai" typeface="Angsana New"/>
+        <a:font script="Ethi" typeface="Nyala"/>
+        <a:font script="Beng" typeface="Vrinda"/>
+        <a:font script="Gujr" typeface="Shruti"/>
+        <a:font script="Khmr" typeface="MoolBoran"/>
+        <a:font script="Knda" typeface="Tunga"/>
+        <a:font script="Guru" typeface="Raavi"/>
+        <a:font script="Cans" typeface="Euphemia"/>
+        <a:font script="Cher" typeface="Plantagenet Cherokee"/>
+        <a:font script="Yiii" typeface="Microsoft Yi Baiti"/>
+        <a:font script="Tibt" typeface="Microsoft Himalaya"/>
+        <a:font script="Thaa" typeface="MV Boli"/>
+        <a:font script="Deva" typeface="Mangal"/>
+        <a:font script="Telu" typeface="Gautami"/>
+        <a:font script="Taml" typeface="Latha"/>
+        <a:font script="Syrc" typeface="Estrangelo Edessa"/>
+        <a:font script="Orya" typeface="Kalinga"/>
+        <a:font script="Mlym" typeface="Kartika"/>
+        <a:font script="Laoo" typeface="DokChampa"/>
+        <a:font script="Sinh" typeface="Iskoola Pota"/>
+        <a:font script="Mong" typeface="Mongolian Baiti"/>
+        <a:font script="Viet" typeface="Times New Roman"/>
+        <a:font script="Uigh" typeface="Microsoft Uighur"/>
+        <a:font script="Geor" typeface="Sylfaen"/>
+        <a:font script="Armn" typeface="Arial"/>
+        <a:font script="Bugi" typeface="Leelawadee UI"/>
+        <a:font script="Bopo" typeface="Microsoft JhengHei"/>
+        <a:font script="Java" typeface="Javanese Text"/>
+        <a:font script="Lisu" typeface="Segoe UI"/>
+        <a:font script="Mymr" typeface="Myanmar Text"/>
+        <a:font script="Nkoo" typeface="Ebrima"/>
+        <a:font script="Olck" typeface="Nirmala UI"/>
+        <a:font script="Osma" typeface="Ebrima"/>
+        <a:font script="Phag" typeface="Phagspa"/>
+        <a:font script="Syrn" typeface="Estrangelo Edessa"/>
+        <a:font script="Syrj" typeface="Estrangelo Edessa"/>
+        <a:font script="Syre" typeface="Estrangelo Edessa"/>
+        <a:font script="Sora" typeface="Nirmala UI"/>
+        <a:font script="Tale" typeface="Microsoft Tai Le"/>
+        <a:font script="Talu" typeface="Microsoft New Tai Lue"/>
+        <a:font script="Tfng" typeface="Ebrima"/>
+      </a:majorFont>
+      <a:minorFont>
+        <a:latin typeface="Calibri" panose="020F0502020204030204"/>
+        <a:ea typeface=""/>
+        <a:cs typeface=""/>
+        <a:font script="Jpan" typeface="游ゴシック"/>
+        <a:font script="Hang" typeface="맑은 고딕"/>
+        <a:font script="Hans" typeface="等线"/>
+        <a:font script="Hant" typeface="新細明體"/>
+        <a:font script="Arab" typeface="Arial"/>
+        <a:font script="Hebr" typeface="Arial"/>
+        <a:font script="Thai" typeface="Cordia New"/>
+        <a:font script="Ethi" typeface="Nyala"/>
+        <a:font script="Beng" typeface="Vrinda"/>
+        <a:font script="Gujr" typeface="Shruti"/>
+        <a:font script="Khmr" typeface="DaunPenh"/>
+        <a:font script="Knda" typeface="Tunga"/>
+        <a:font script="Guru" typeface="Raavi"/>
+        <a:font script="Cans" typeface="Euphemia"/>
+        <a:font script="Cher" typeface="Plantagenet Cherokee"/>
+        <a:font script="Yiii" typeface="Microsoft Yi Baiti"/>
+        <a:font script="Tibt" typeface="Microsoft Himalaya"/>
+        <a:font script="Thaa" typeface="MV Boli"/>
+        <a:font script="Deva" typeface="Mangal"/>
+        <a:font script="Telu" typeface="Gautami"/>
+        <a:font script="Taml" typeface="Latha"/>
+        <a:font script="Syrc" typeface="Estrangelo Edessa"/>
+        <a:font script="Orya" typeface="Kalinga"/>
+        <a:font script="Mlym" typeface="Kartika"/>
+        <a:font script="Laoo" typeface="DokChampa"/>
+        <a:font script="Sinh" typeface="Iskoola Pota"/>
+        <a:font script="Mong" typeface="Mongolian Baiti"/>
+        <a:font script="Viet" typeface="Arial"/>
+        <a:font script="Uigh" typeface="Microsoft Uighur"/>
+        <a:font script="Geor" typeface="Sylfaen"/>
+        <a:font script="Armn" typeface="Arial"/>
+        <a:font script="Bugi" typeface="Leelawadee UI"/>
+        <a:font script="Bopo" typeface="Microsoft JhengHei"/>
+        <a:font script="Java" typeface="Javanese Text"/>
+        <a:font script="Lisu" typeface="Segoe UI"/>
+        <a:font script="Mymr" typeface="Myanmar Text"/>
+        <a:font script="Nkoo" typeface="Ebrima"/>
+        <a:font script="Olck" typeface="Nirmala UI"/>
+        <a:font script="Osma" typeface="Ebrima"/>
+        <a:font script="Phag" typeface="Phagspa"/>
+        <a:font script="Syrn" typeface="Estrangelo Edessa"/>
+        <a:font script="Syrj" typeface="Estrangelo Edessa"/>
+        <a:font script="Syre" typeface="Estrangelo Edessa"/>
+        <a:font script="Sora" typeface="Nirmala UI"/>
+        <a:font script="Tale" typeface="Microsoft Tai Le"/>
+        <a:font script="Talu" typeface="Microsoft New Tai Lue"/>
+        <a:font script="Tfng" typeface="Ebrima"/>
+      </a:minorFont>
+    </a:fontScheme>
+    <a:fmtScheme name="Office">
+      <a:fillStyleLst>
+        <a:solidFill>
+          <a:schemeClr val="phClr"/>
+        </a:solidFill>
+        <a:gradFill rotWithShape="1">
+          <a:gsLst>
+            <a:gs pos="0">
+              <a:schemeClr val="phClr">
+                <a:lumMod val="110000"/>
+                <a:satMod val="105000"/>
+                <a:tint val="67000"/>
+              </a:schemeClr>
+            </a:gs>
+            <a:gs pos="50000">
+              <a:schemeClr val="phClr">
+                <a:lumMod val="105000"/>
+                <a:satMod val="103000"/>
+                <a:tint val="73000"/>
+              </a:schemeClr>
+            </a:gs>
+            <a:gs pos="100000">
+              <a:schemeClr val="phClr">
+                <a:lumMod val="105000"/>
+                <a:satMod val="109000"/>
+                <a:tint val="81000"/>
+              </a:schemeClr>
+            </a:gs>
+          </a:gsLst>
+          <a:lin ang="5400000" scaled="0"/>
+        </a:gradFill>
+        <a:gradFill rotWithShape="1">
+          <a:gsLst>
+            <a:gs pos="0">
+              <a:schemeClr val="phClr">
+                <a:satMod val="103000"/>
+                <a:lumMod val="102000"/>
+                <a:tint val="94000"/>
+              </a:schemeClr>
+            </a:gs>
+            <a:gs pos="50000">
+              <a:schemeClr val="phClr">
+                <a:satMod val="110000"/>
+                <a:lumMod val="100000"/>
+                <a:shade val="100000"/>
+              </a:schemeClr>
+            </a:gs>
+            <a:gs pos="100000">
+              <a:schemeClr val="phClr">
+                <a:lumMod val="99000"/>
+                <a:satMod val="120000"/>
+                <a:shade val="78000"/>
+              </a:schemeClr>
+            </a:gs>
+          </a:gsLst>
+          <a:lin ang="5400000" scaled="0"/>
+        </a:gradFill>
+      </a:fillStyleLst>
+      <a:lnStyleLst>
+        <a:ln w="6350" cap="flat" cmpd="sng" algn="ctr">
+          <a:solidFill>
+            <a:schemeClr val="phClr"/>
+          </a:solidFill>
+          <a:prstDash val="solid"/>
+          <a:miter lim="800000"/>
+        </a:ln>
+        <a:ln w="12700" cap="flat" cmpd="sng" algn="ctr">
+          <a:solidFill>
+            <a:schemeClr val="phClr"/>
+          </a:solidFill>
+          <a:prstDash val="solid"/>
+          <a:miter lim="800000"/>
+        </a:ln>
+        <a:ln w="19050" cap="flat" cmpd="sng" algn="ctr">
+          <a:solidFill>
+            <a:schemeClr val="phClr"/>
+          </a:solidFill>
+          <a:prstDash val="solid"/>
+          <a:miter lim="800000"/>
+        </a:ln>
+      </a:lnStyleLst>
+      <a:effectStyleLst>
+        <a:effectStyle>
+          <a:effectLst/>
+        </a:effectStyle>
+        <a:effectStyle>
+          <a:effectLst/>
+        </a:effectStyle>
+        <a:effectStyle>
+          <a:effectLst>
+            <a:outerShdw blurRad="57150" dist="19050" dir="5400000" algn="ctr" rotWithShape="0">
+              <a:srgbClr val="000000">
+                <a:alpha val="63000"/>
+              </a:srgbClr>
+            </a:outerShdw>
+          </a:effectLst>
+        </a:effectStyle>
+      </a:effectStyleLst>
+      <a:bgFillStyleLst>
+        <a:solidFill>
+          <a:schemeClr val="phClr"/>
+        </a:solidFill>
+        <a:solidFill>
+          <a:schemeClr val="phClr">
+            <a:tint val="95000"/>
+            <a:satMod val="170000"/>
+          </a:schemeClr>
+        </a:solidFill>
+        <a:gradFill rotWithShape="1">
+          <a:gsLst>
+            <a:gs pos="0">
+              <a:schemeClr val="phClr">
+                <a:tint val="93000"/>
+                <a:satMod val="150000"/>
+                <a:shade val="98000"/>
+                <a:lumMod val="102000"/>
+              </a:schemeClr>
+            </a:gs>
+            <a:gs pos="50000">
+              <a:schemeClr val="phClr">
+                <a:tint val="98000"/>
+                <a:satMod val="130000"/>
+                <a:shade val="90000"/>
+                <a:lumMod val="103000"/>
+              </a:schemeClr>
+            </a:gs>
+            <a:gs pos="100000">
+              <a:schemeClr val="phClr">
+                <a:shade val="63000"/>
+                <a:satMod val="120000"/>
+              </a:schemeClr>
+            </a:gs>
+          </a:gsLst>
+          <a:lin ang="5400000" scaled="0"/>
+        </a:gradFill>
+      </a:bgFillStyleLst>
+    </a:fmtScheme>
+  </a:themeElements>
+  <a:objectDefaults/>
+  <a:extraClrSchemeLst/>
+  <a:extLst>
+    <a:ext uri="{05A4C25C-085E-4340-85A3-A5531E510DB2}">
+      <thm15:themeFamily xmlns:thm15="http://schemas.microsoft.com/office/thememl/2012/main" name="Office Theme" id="{62F939B6-93AF-4DB8-9C6B-D6C7DFDC589F}" vid="{4A3C46E8-61CC-4603-A589-7422A47A8E4A}"/>
+    </a:ext>
+  </a:extLst>
+</a:theme>
 </file>